--- a/LaTeX_Report/Meeting_over_MeMoSeE.pptx
+++ b/LaTeX_Report/Meeting_over_MeMoSeE.pptx
@@ -6,8 +6,10 @@
   </p:sldMasterIdLst>
   <p:sldIdLst>
     <p:sldId id="256" r:id="rId2"/>
-    <p:sldId id="257" r:id="rId3"/>
-    <p:sldId id="258" r:id="rId4"/>
+    <p:sldId id="260" r:id="rId3"/>
+    <p:sldId id="257" r:id="rId4"/>
+    <p:sldId id="258" r:id="rId5"/>
+    <p:sldId id="259" r:id="rId6"/>
   </p:sldIdLst>
   <p:sldSz cx="12192000" cy="6858000"/>
   <p:notesSz cx="6858000" cy="9144000"/>
@@ -106,6 +108,11 @@
       </a:defRPr>
     </a:lvl9pPr>
   </p:defaultTextStyle>
+  <p:extLst>
+    <p:ext uri="{EFAFB233-063F-42B5-8137-9DF3F51BA10A}">
+      <p15:sldGuideLst xmlns:p15="http://schemas.microsoft.com/office/powerpoint/2012/main"/>
+    </p:ext>
+  </p:extLst>
 </p:presentation>
 </file>
 
@@ -240,7 +247,7 @@
           <a:p>
             <a:fld id="{93C5C4BE-6BD8-4418-92A0-6E0C11F9BD9A}" type="datetimeFigureOut">
               <a:rPr lang="en-US" smtClean="0"/>
-              <a:t>6/29/2021</a:t>
+              <a:t>6/30/2021</a:t>
             </a:fld>
             <a:endParaRPr lang="en-US"/>
           </a:p>
@@ -410,7 +417,7 @@
           <a:p>
             <a:fld id="{93C5C4BE-6BD8-4418-92A0-6E0C11F9BD9A}" type="datetimeFigureOut">
               <a:rPr lang="en-US" smtClean="0"/>
-              <a:t>6/29/2021</a:t>
+              <a:t>6/30/2021</a:t>
             </a:fld>
             <a:endParaRPr lang="en-US"/>
           </a:p>
@@ -590,7 +597,7 @@
           <a:p>
             <a:fld id="{93C5C4BE-6BD8-4418-92A0-6E0C11F9BD9A}" type="datetimeFigureOut">
               <a:rPr lang="en-US" smtClean="0"/>
-              <a:t>6/29/2021</a:t>
+              <a:t>6/30/2021</a:t>
             </a:fld>
             <a:endParaRPr lang="en-US"/>
           </a:p>
@@ -760,7 +767,7 @@
           <a:p>
             <a:fld id="{93C5C4BE-6BD8-4418-92A0-6E0C11F9BD9A}" type="datetimeFigureOut">
               <a:rPr lang="en-US" smtClean="0"/>
-              <a:t>6/29/2021</a:t>
+              <a:t>6/30/2021</a:t>
             </a:fld>
             <a:endParaRPr lang="en-US"/>
           </a:p>
@@ -1006,7 +1013,7 @@
           <a:p>
             <a:fld id="{93C5C4BE-6BD8-4418-92A0-6E0C11F9BD9A}" type="datetimeFigureOut">
               <a:rPr lang="en-US" smtClean="0"/>
-              <a:t>6/29/2021</a:t>
+              <a:t>6/30/2021</a:t>
             </a:fld>
             <a:endParaRPr lang="en-US"/>
           </a:p>
@@ -1238,7 +1245,7 @@
           <a:p>
             <a:fld id="{93C5C4BE-6BD8-4418-92A0-6E0C11F9BD9A}" type="datetimeFigureOut">
               <a:rPr lang="en-US" smtClean="0"/>
-              <a:t>6/29/2021</a:t>
+              <a:t>6/30/2021</a:t>
             </a:fld>
             <a:endParaRPr lang="en-US"/>
           </a:p>
@@ -1605,7 +1612,7 @@
           <a:p>
             <a:fld id="{93C5C4BE-6BD8-4418-92A0-6E0C11F9BD9A}" type="datetimeFigureOut">
               <a:rPr lang="en-US" smtClean="0"/>
-              <a:t>6/29/2021</a:t>
+              <a:t>6/30/2021</a:t>
             </a:fld>
             <a:endParaRPr lang="en-US"/>
           </a:p>
@@ -1723,7 +1730,7 @@
           <a:p>
             <a:fld id="{93C5C4BE-6BD8-4418-92A0-6E0C11F9BD9A}" type="datetimeFigureOut">
               <a:rPr lang="en-US" smtClean="0"/>
-              <a:t>6/29/2021</a:t>
+              <a:t>6/30/2021</a:t>
             </a:fld>
             <a:endParaRPr lang="en-US"/>
           </a:p>
@@ -1818,7 +1825,7 @@
           <a:p>
             <a:fld id="{93C5C4BE-6BD8-4418-92A0-6E0C11F9BD9A}" type="datetimeFigureOut">
               <a:rPr lang="en-US" smtClean="0"/>
-              <a:t>6/29/2021</a:t>
+              <a:t>6/30/2021</a:t>
             </a:fld>
             <a:endParaRPr lang="en-US"/>
           </a:p>
@@ -2095,7 +2102,7 @@
           <a:p>
             <a:fld id="{93C5C4BE-6BD8-4418-92A0-6E0C11F9BD9A}" type="datetimeFigureOut">
               <a:rPr lang="en-US" smtClean="0"/>
-              <a:t>6/29/2021</a:t>
+              <a:t>6/30/2021</a:t>
             </a:fld>
             <a:endParaRPr lang="en-US"/>
           </a:p>
@@ -2352,7 +2359,7 @@
           <a:p>
             <a:fld id="{93C5C4BE-6BD8-4418-92A0-6E0C11F9BD9A}" type="datetimeFigureOut">
               <a:rPr lang="en-US" smtClean="0"/>
-              <a:t>6/29/2021</a:t>
+              <a:t>6/30/2021</a:t>
             </a:fld>
             <a:endParaRPr lang="en-US"/>
           </a:p>
@@ -2565,7 +2572,7 @@
           <a:p>
             <a:fld id="{93C5C4BE-6BD8-4418-92A0-6E0C11F9BD9A}" type="datetimeFigureOut">
               <a:rPr lang="en-US" smtClean="0"/>
-              <a:t>6/29/2021</a:t>
+              <a:t>6/30/2021</a:t>
             </a:fld>
             <a:endParaRPr lang="en-US"/>
           </a:p>
@@ -3133,6 +3140,1097 @@
 <file path=ppt/slides/slide2.xml><?xml version="1.0" encoding="utf-8"?>
 <p:sld xmlns:a="http://schemas.openxmlformats.org/drawingml/2006/main" xmlns:r="http://schemas.openxmlformats.org/officeDocument/2006/relationships" xmlns:p="http://schemas.openxmlformats.org/presentationml/2006/main">
   <p:cSld>
+    <p:spTree>
+      <p:nvGrpSpPr>
+        <p:cNvPr id="1" name=""/>
+        <p:cNvGrpSpPr/>
+        <p:nvPr/>
+      </p:nvGrpSpPr>
+      <p:grpSpPr>
+        <a:xfrm>
+          <a:off x="0" y="0"/>
+          <a:ext cx="0" cy="0"/>
+          <a:chOff x="0" y="0"/>
+          <a:chExt cx="0" cy="0"/>
+        </a:xfrm>
+      </p:grpSpPr>
+      <p:sp>
+        <p:nvSpPr>
+          <p:cNvPr id="2" name="Title 1">
+            <a:extLst>
+              <a:ext uri="{FF2B5EF4-FFF2-40B4-BE49-F238E27FC236}">
+                <a16:creationId xmlns:a16="http://schemas.microsoft.com/office/drawing/2014/main" id="{C9B34FE6-A62B-46AC-B7DB-E603B11E9553}"/>
+              </a:ext>
+            </a:extLst>
+          </p:cNvPr>
+          <p:cNvSpPr>
+            <a:spLocks noGrp="1"/>
+          </p:cNvSpPr>
+          <p:nvPr>
+            <p:ph type="title"/>
+          </p:nvPr>
+        </p:nvSpPr>
+        <p:spPr/>
+        <p:txBody>
+          <a:bodyPr/>
+          <a:lstStyle/>
+          <a:p>
+            <a:r>
+              <a:rPr lang="en-US" dirty="0"/>
+              <a:t>Near-field</a:t>
+            </a:r>
+          </a:p>
+        </p:txBody>
+      </p:sp>
+      <mc:AlternateContent xmlns:mc="http://schemas.openxmlformats.org/markup-compatibility/2006">
+        <mc:Choice xmlns:a14="http://schemas.microsoft.com/office/drawing/2010/main" Requires="a14">
+          <p:sp>
+            <p:nvSpPr>
+              <p:cNvPr id="3" name="Content Placeholder 2">
+                <a:extLst>
+                  <a:ext uri="{FF2B5EF4-FFF2-40B4-BE49-F238E27FC236}">
+                    <a16:creationId xmlns:a16="http://schemas.microsoft.com/office/drawing/2014/main" id="{10398F79-1004-43DC-A228-9998B6E34EBF}"/>
+                  </a:ext>
+                </a:extLst>
+              </p:cNvPr>
+              <p:cNvSpPr>
+                <a:spLocks noGrp="1"/>
+              </p:cNvSpPr>
+              <p:nvPr>
+                <p:ph idx="1"/>
+              </p:nvPr>
+            </p:nvSpPr>
+            <p:spPr/>
+            <p:txBody>
+              <a:bodyPr>
+                <a:normAutofit lnSpcReduction="10000"/>
+              </a:bodyPr>
+              <a:lstStyle/>
+              <a:p>
+                <a14:m>
+                  <m:oMath xmlns:m="http://schemas.openxmlformats.org/officeDocument/2006/math">
+                    <m:sSup>
+                      <m:sSupPr>
+                        <m:ctrlPr>
+                          <a:rPr lang="en-US" b="0" i="1" smtClean="0">
+                            <a:latin typeface="Cambria Math" panose="02040503050406030204" pitchFamily="18" charset="0"/>
+                          </a:rPr>
+                        </m:ctrlPr>
+                      </m:sSupPr>
+                      <m:e>
+                        <m:d>
+                          <m:dPr>
+                            <m:ctrlPr>
+                              <a:rPr lang="en-US" b="0" i="0" smtClean="0">
+                                <a:latin typeface="Cambria Math" panose="02040503050406030204" pitchFamily="18" charset="0"/>
+                              </a:rPr>
+                            </m:ctrlPr>
+                          </m:dPr>
+                          <m:e>
+                            <m:f>
+                              <m:fPr>
+                                <m:ctrlPr>
+                                  <a:rPr lang="en-US" i="1" smtClean="0">
+                                    <a:latin typeface="Cambria Math" panose="02040503050406030204" pitchFamily="18" charset="0"/>
+                                  </a:rPr>
+                                </m:ctrlPr>
+                              </m:fPr>
+                              <m:num>
+                                <m:sSub>
+                                  <m:sSubPr>
+                                    <m:ctrlPr>
+                                      <a:rPr lang="en-US" i="1">
+                                        <a:latin typeface="Cambria Math" panose="02040503050406030204" pitchFamily="18" charset="0"/>
+                                      </a:rPr>
+                                    </m:ctrlPr>
+                                  </m:sSubPr>
+                                  <m:e>
+                                    <m:r>
+                                      <a:rPr lang="en-US" i="1">
+                                        <a:latin typeface="Cambria Math" panose="02040503050406030204" pitchFamily="18" charset="0"/>
+                                      </a:rPr>
+                                      <m:t>𝑣</m:t>
+                                    </m:r>
+                                  </m:e>
+                                  <m:sub>
+                                    <m:r>
+                                      <a:rPr lang="en-US" b="0" i="1" smtClean="0">
+                                        <a:latin typeface="Cambria Math" panose="02040503050406030204" pitchFamily="18" charset="0"/>
+                                      </a:rPr>
+                                      <m:t>𝑚𝑖𝑛</m:t>
+                                    </m:r>
+                                  </m:sub>
+                                </m:sSub>
+                              </m:num>
+                              <m:den>
+                                <m:sSub>
+                                  <m:sSubPr>
+                                    <m:ctrlPr>
+                                      <a:rPr lang="en-US" b="0" i="1" smtClean="0">
+                                        <a:latin typeface="Cambria Math" panose="02040503050406030204" pitchFamily="18" charset="0"/>
+                                      </a:rPr>
+                                    </m:ctrlPr>
+                                  </m:sSubPr>
+                                  <m:e>
+                                    <m:r>
+                                      <a:rPr lang="en-US" b="0" i="1" smtClean="0">
+                                        <a:latin typeface="Cambria Math" panose="02040503050406030204" pitchFamily="18" charset="0"/>
+                                      </a:rPr>
+                                      <m:t>𝑣</m:t>
+                                    </m:r>
+                                  </m:e>
+                                  <m:sub>
+                                    <m:r>
+                                      <a:rPr lang="en-US" b="0" i="1" smtClean="0">
+                                        <a:latin typeface="Cambria Math" panose="02040503050406030204" pitchFamily="18" charset="0"/>
+                                      </a:rPr>
+                                      <m:t>𝑒𝑠𝑐</m:t>
+                                    </m:r>
+                                  </m:sub>
+                                </m:sSub>
+                              </m:den>
+                            </m:f>
+                          </m:e>
+                        </m:d>
+                      </m:e>
+                      <m:sup>
+                        <m:r>
+                          <a:rPr lang="en-US" b="0" i="1" smtClean="0">
+                            <a:latin typeface="Cambria Math" panose="02040503050406030204" pitchFamily="18" charset="0"/>
+                          </a:rPr>
+                          <m:t>2</m:t>
+                        </m:r>
+                      </m:sup>
+                    </m:sSup>
+                    <m:r>
+                      <a:rPr lang="en-US" b="0" i="1" smtClean="0">
+                        <a:latin typeface="Cambria Math" panose="02040503050406030204" pitchFamily="18" charset="0"/>
+                      </a:rPr>
+                      <m:t>=</m:t>
+                    </m:r>
+                    <m:f>
+                      <m:fPr>
+                        <m:ctrlPr>
+                          <a:rPr lang="en-US" b="0" i="1" smtClean="0">
+                            <a:latin typeface="Cambria Math" panose="02040503050406030204" pitchFamily="18" charset="0"/>
+                          </a:rPr>
+                        </m:ctrlPr>
+                      </m:fPr>
+                      <m:num>
+                        <m:func>
+                          <m:funcPr>
+                            <m:ctrlPr>
+                              <a:rPr lang="en-US" b="0" i="1" smtClean="0">
+                                <a:latin typeface="Cambria Math" panose="02040503050406030204" pitchFamily="18" charset="0"/>
+                              </a:rPr>
+                            </m:ctrlPr>
+                          </m:funcPr>
+                          <m:fName>
+                            <m:r>
+                              <m:rPr>
+                                <m:sty m:val="p"/>
+                              </m:rPr>
+                              <a:rPr lang="en-US" b="0" i="0" smtClean="0">
+                                <a:latin typeface="Cambria Math" panose="02040503050406030204" pitchFamily="18" charset="0"/>
+                              </a:rPr>
+                              <m:t>tan</m:t>
+                            </m:r>
+                          </m:fName>
+                          <m:e>
+                            <m:d>
+                              <m:dPr>
+                                <m:ctrlPr>
+                                  <a:rPr lang="en-US" b="0" i="1" smtClean="0">
+                                    <a:latin typeface="Cambria Math" panose="02040503050406030204" pitchFamily="18" charset="0"/>
+                                  </a:rPr>
+                                </m:ctrlPr>
+                              </m:dPr>
+                              <m:e>
+                                <m:f>
+                                  <m:fPr>
+                                    <m:ctrlPr>
+                                      <a:rPr lang="en-US" b="0" i="1" smtClean="0">
+                                        <a:latin typeface="Cambria Math" panose="02040503050406030204" pitchFamily="18" charset="0"/>
+                                      </a:rPr>
+                                    </m:ctrlPr>
+                                  </m:fPr>
+                                  <m:num>
+                                    <m:r>
+                                      <a:rPr lang="en-US" b="0" i="1" smtClean="0">
+                                        <a:latin typeface="Cambria Math" panose="02040503050406030204" pitchFamily="18" charset="0"/>
+                                      </a:rPr>
+                                      <m:t>𝐷</m:t>
+                                    </m:r>
+                                  </m:num>
+                                  <m:den>
+                                    <m:r>
+                                      <a:rPr lang="en-US" b="0" i="1" smtClean="0">
+                                        <a:latin typeface="Cambria Math" panose="02040503050406030204" pitchFamily="18" charset="0"/>
+                                      </a:rPr>
+                                      <m:t>2</m:t>
+                                    </m:r>
+                                    <m:sSub>
+                                      <m:sSubPr>
+                                        <m:ctrlPr>
+                                          <a:rPr lang="en-US" b="0" i="1" smtClean="0">
+                                            <a:latin typeface="Cambria Math" panose="02040503050406030204" pitchFamily="18" charset="0"/>
+                                          </a:rPr>
+                                        </m:ctrlPr>
+                                      </m:sSubPr>
+                                      <m:e>
+                                        <m:r>
+                                          <a:rPr lang="en-US" b="0" i="1" smtClean="0">
+                                            <a:latin typeface="Cambria Math" panose="02040503050406030204" pitchFamily="18" charset="0"/>
+                                          </a:rPr>
+                                          <m:t>𝑟</m:t>
+                                        </m:r>
+                                      </m:e>
+                                      <m:sub>
+                                        <m:r>
+                                          <a:rPr lang="en-US" b="0" i="1" smtClean="0">
+                                            <a:latin typeface="Cambria Math" panose="02040503050406030204" pitchFamily="18" charset="0"/>
+                                          </a:rPr>
+                                          <m:t>𝑚</m:t>
+                                        </m:r>
+                                      </m:sub>
+                                    </m:sSub>
+                                  </m:den>
+                                </m:f>
+                              </m:e>
+                            </m:d>
+                          </m:e>
+                        </m:func>
+                      </m:num>
+                      <m:den>
+                        <m:func>
+                          <m:funcPr>
+                            <m:ctrlPr>
+                              <a:rPr lang="en-US" i="1">
+                                <a:latin typeface="Cambria Math" panose="02040503050406030204" pitchFamily="18" charset="0"/>
+                              </a:rPr>
+                            </m:ctrlPr>
+                          </m:funcPr>
+                          <m:fName>
+                            <m:r>
+                              <m:rPr>
+                                <m:sty m:val="p"/>
+                              </m:rPr>
+                              <a:rPr lang="en-US">
+                                <a:latin typeface="Cambria Math" panose="02040503050406030204" pitchFamily="18" charset="0"/>
+                              </a:rPr>
+                              <m:t>tan</m:t>
+                            </m:r>
+                          </m:fName>
+                          <m:e>
+                            <m:d>
+                              <m:dPr>
+                                <m:ctrlPr>
+                                  <a:rPr lang="en-US" i="1">
+                                    <a:latin typeface="Cambria Math" panose="02040503050406030204" pitchFamily="18" charset="0"/>
+                                  </a:rPr>
+                                </m:ctrlPr>
+                              </m:dPr>
+                              <m:e>
+                                <m:f>
+                                  <m:fPr>
+                                    <m:ctrlPr>
+                                      <a:rPr lang="en-US" i="1">
+                                        <a:latin typeface="Cambria Math" panose="02040503050406030204" pitchFamily="18" charset="0"/>
+                                      </a:rPr>
+                                    </m:ctrlPr>
+                                  </m:fPr>
+                                  <m:num>
+                                    <m:r>
+                                      <a:rPr lang="en-US" i="1">
+                                        <a:latin typeface="Cambria Math" panose="02040503050406030204" pitchFamily="18" charset="0"/>
+                                      </a:rPr>
+                                      <m:t>𝜋</m:t>
+                                    </m:r>
+                                    <m:r>
+                                      <a:rPr lang="en-US" i="1">
+                                        <a:latin typeface="Cambria Math" panose="02040503050406030204" pitchFamily="18" charset="0"/>
+                                      </a:rPr>
+                                      <m:t>+ </m:t>
+                                    </m:r>
+                                    <m:f>
+                                      <m:fPr>
+                                        <m:type m:val="skw"/>
+                                        <m:ctrlPr>
+                                          <a:rPr lang="en-US" i="1">
+                                            <a:latin typeface="Cambria Math" panose="02040503050406030204" pitchFamily="18" charset="0"/>
+                                          </a:rPr>
+                                        </m:ctrlPr>
+                                      </m:fPr>
+                                      <m:num>
+                                        <m:r>
+                                          <a:rPr lang="en-US" i="1">
+                                            <a:latin typeface="Cambria Math" panose="02040503050406030204" pitchFamily="18" charset="0"/>
+                                          </a:rPr>
+                                          <m:t>𝐷</m:t>
+                                        </m:r>
+                                      </m:num>
+                                      <m:den>
+                                        <m:sSub>
+                                          <m:sSubPr>
+                                            <m:ctrlPr>
+                                              <a:rPr lang="en-US" i="1">
+                                                <a:latin typeface="Cambria Math" panose="02040503050406030204" pitchFamily="18" charset="0"/>
+                                              </a:rPr>
+                                            </m:ctrlPr>
+                                          </m:sSubPr>
+                                          <m:e>
+                                            <m:r>
+                                              <a:rPr lang="en-US" i="1">
+                                                <a:latin typeface="Cambria Math" panose="02040503050406030204" pitchFamily="18" charset="0"/>
+                                              </a:rPr>
+                                              <m:t>𝑟</m:t>
+                                            </m:r>
+                                          </m:e>
+                                          <m:sub>
+                                            <m:r>
+                                              <a:rPr lang="en-US" i="1">
+                                                <a:latin typeface="Cambria Math" panose="02040503050406030204" pitchFamily="18" charset="0"/>
+                                              </a:rPr>
+                                              <m:t>𝑚</m:t>
+                                            </m:r>
+                                          </m:sub>
+                                        </m:sSub>
+                                      </m:den>
+                                    </m:f>
+                                  </m:num>
+                                  <m:den>
+                                    <m:r>
+                                      <a:rPr lang="en-US" i="1">
+                                        <a:latin typeface="Cambria Math" panose="02040503050406030204" pitchFamily="18" charset="0"/>
+                                      </a:rPr>
+                                      <m:t>4</m:t>
+                                    </m:r>
+                                  </m:den>
+                                </m:f>
+                              </m:e>
+                            </m:d>
+                          </m:e>
+                        </m:func>
+                      </m:den>
+                    </m:f>
+                  </m:oMath>
+                </a14:m>
+                <a:r>
+                  <a:rPr lang="en-US" dirty="0"/>
+                  <a:t> , where </a:t>
+                </a:r>
+                <a14:m>
+                  <m:oMath xmlns:m="http://schemas.openxmlformats.org/officeDocument/2006/math">
+                    <m:sSub>
+                      <m:sSubPr>
+                        <m:ctrlPr>
+                          <a:rPr lang="en-US" i="1">
+                            <a:latin typeface="Cambria Math" panose="02040503050406030204" pitchFamily="18" charset="0"/>
+                          </a:rPr>
+                        </m:ctrlPr>
+                      </m:sSubPr>
+                      <m:e>
+                        <m:r>
+                          <a:rPr lang="en-US" i="1">
+                            <a:latin typeface="Cambria Math" panose="02040503050406030204" pitchFamily="18" charset="0"/>
+                          </a:rPr>
+                          <m:t>𝑣</m:t>
+                        </m:r>
+                      </m:e>
+                      <m:sub>
+                        <m:r>
+                          <a:rPr lang="en-US" i="1">
+                            <a:latin typeface="Cambria Math" panose="02040503050406030204" pitchFamily="18" charset="0"/>
+                          </a:rPr>
+                          <m:t>𝑒𝑠𝑐</m:t>
+                        </m:r>
+                      </m:sub>
+                    </m:sSub>
+                    <m:r>
+                      <a:rPr lang="en-US" b="0" i="1" smtClean="0">
+                        <a:latin typeface="Cambria Math" panose="02040503050406030204" pitchFamily="18" charset="0"/>
+                      </a:rPr>
+                      <m:t>=</m:t>
+                    </m:r>
+                    <m:rad>
+                      <m:radPr>
+                        <m:degHide m:val="on"/>
+                        <m:ctrlPr>
+                          <a:rPr lang="en-US" b="0" i="1" smtClean="0">
+                            <a:latin typeface="Cambria Math" panose="02040503050406030204" pitchFamily="18" charset="0"/>
+                          </a:rPr>
+                        </m:ctrlPr>
+                      </m:radPr>
+                      <m:deg/>
+                      <m:e>
+                        <m:r>
+                          <a:rPr lang="en-US" b="0" i="1" smtClean="0">
+                            <a:latin typeface="Cambria Math" panose="02040503050406030204" pitchFamily="18" charset="0"/>
+                          </a:rPr>
+                          <m:t>2</m:t>
+                        </m:r>
+                        <m:r>
+                          <a:rPr lang="en-US" b="0" i="1" smtClean="0">
+                            <a:latin typeface="Cambria Math" panose="02040503050406030204" pitchFamily="18" charset="0"/>
+                          </a:rPr>
+                          <m:t>𝑔</m:t>
+                        </m:r>
+                        <m:sSub>
+                          <m:sSubPr>
+                            <m:ctrlPr>
+                              <a:rPr lang="en-US" b="0" i="1" smtClean="0">
+                                <a:latin typeface="Cambria Math" panose="02040503050406030204" pitchFamily="18" charset="0"/>
+                              </a:rPr>
+                            </m:ctrlPr>
+                          </m:sSubPr>
+                          <m:e>
+                            <m:r>
+                              <a:rPr lang="en-US" b="0" i="1" smtClean="0">
+                                <a:latin typeface="Cambria Math" panose="02040503050406030204" pitchFamily="18" charset="0"/>
+                              </a:rPr>
+                              <m:t>𝑟</m:t>
+                            </m:r>
+                          </m:e>
+                          <m:sub>
+                            <m:r>
+                              <a:rPr lang="en-US" b="0" i="1" smtClean="0">
+                                <a:latin typeface="Cambria Math" panose="02040503050406030204" pitchFamily="18" charset="0"/>
+                              </a:rPr>
+                              <m:t>𝑚</m:t>
+                            </m:r>
+                          </m:sub>
+                        </m:sSub>
+                      </m:e>
+                    </m:rad>
+                  </m:oMath>
+                </a14:m>
+                <a:endParaRPr lang="en-US" dirty="0"/>
+              </a:p>
+              <a:p>
+                <a:pPr lvl="1"/>
+                <a:r>
+                  <a:rPr lang="en-US" dirty="0"/>
+                  <a:t>This relates the minimum ejecta speed </a:t>
+                </a:r>
+                <a:r>
+                  <a:rPr lang="en-US" dirty="0" err="1"/>
+                  <a:t>v_min</a:t>
+                </a:r>
+                <a:r>
+                  <a:rPr lang="en-US" dirty="0"/>
+                  <a:t> to reach a distance D, assuming ejecta angles at the optimal angle</a:t>
+                </a:r>
+              </a:p>
+              <a:p>
+                <a:r>
+                  <a:rPr lang="en-US" dirty="0"/>
+                  <a:t>The optimal angle is given by, </a:t>
+                </a:r>
+                <a14:m>
+                  <m:oMath xmlns:m="http://schemas.openxmlformats.org/officeDocument/2006/math">
+                    <m:sSub>
+                      <m:sSubPr>
+                        <m:ctrlPr>
+                          <a:rPr lang="en-US" b="0" i="1" smtClean="0">
+                            <a:latin typeface="Cambria Math" panose="02040503050406030204" pitchFamily="18" charset="0"/>
+                          </a:rPr>
+                        </m:ctrlPr>
+                      </m:sSubPr>
+                      <m:e>
+                        <m:r>
+                          <a:rPr lang="en-US" b="0" i="1" smtClean="0">
+                            <a:latin typeface="Cambria Math" panose="02040503050406030204" pitchFamily="18" charset="0"/>
+                          </a:rPr>
+                          <m:t>𝛾</m:t>
+                        </m:r>
+                      </m:e>
+                      <m:sub>
+                        <m:r>
+                          <a:rPr lang="en-US" b="0" i="1" smtClean="0">
+                            <a:latin typeface="Cambria Math" panose="02040503050406030204" pitchFamily="18" charset="0"/>
+                          </a:rPr>
+                          <m:t>𝑜𝑝𝑡</m:t>
+                        </m:r>
+                      </m:sub>
+                    </m:sSub>
+                    <m:r>
+                      <a:rPr lang="en-US" b="0" i="1" smtClean="0">
+                        <a:latin typeface="Cambria Math" panose="02040503050406030204" pitchFamily="18" charset="0"/>
+                      </a:rPr>
+                      <m:t>= </m:t>
+                    </m:r>
+                    <m:f>
+                      <m:fPr>
+                        <m:ctrlPr>
+                          <a:rPr lang="en-US" b="0" i="1" smtClean="0">
+                            <a:latin typeface="Cambria Math" panose="02040503050406030204" pitchFamily="18" charset="0"/>
+                          </a:rPr>
+                        </m:ctrlPr>
+                      </m:fPr>
+                      <m:num>
+                        <m:r>
+                          <a:rPr lang="en-US" b="0" i="1" smtClean="0">
+                            <a:latin typeface="Cambria Math" panose="02040503050406030204" pitchFamily="18" charset="0"/>
+                          </a:rPr>
+                          <m:t>𝜋</m:t>
+                        </m:r>
+                        <m:r>
+                          <a:rPr lang="en-US" b="0" i="1" smtClean="0">
+                            <a:latin typeface="Cambria Math" panose="02040503050406030204" pitchFamily="18" charset="0"/>
+                          </a:rPr>
+                          <m:t>+ </m:t>
+                        </m:r>
+                        <m:f>
+                          <m:fPr>
+                            <m:type m:val="skw"/>
+                            <m:ctrlPr>
+                              <a:rPr lang="en-US" b="0" i="1" smtClean="0">
+                                <a:latin typeface="Cambria Math" panose="02040503050406030204" pitchFamily="18" charset="0"/>
+                              </a:rPr>
+                            </m:ctrlPr>
+                          </m:fPr>
+                          <m:num>
+                            <m:r>
+                              <a:rPr lang="en-US" b="0" i="1" smtClean="0">
+                                <a:latin typeface="Cambria Math" panose="02040503050406030204" pitchFamily="18" charset="0"/>
+                              </a:rPr>
+                              <m:t>𝐷</m:t>
+                            </m:r>
+                          </m:num>
+                          <m:den>
+                            <m:sSub>
+                              <m:sSubPr>
+                                <m:ctrlPr>
+                                  <a:rPr lang="en-US" b="0" i="1" smtClean="0">
+                                    <a:latin typeface="Cambria Math" panose="02040503050406030204" pitchFamily="18" charset="0"/>
+                                  </a:rPr>
+                                </m:ctrlPr>
+                              </m:sSubPr>
+                              <m:e>
+                                <m:r>
+                                  <a:rPr lang="en-US" b="0" i="1" smtClean="0">
+                                    <a:latin typeface="Cambria Math" panose="02040503050406030204" pitchFamily="18" charset="0"/>
+                                  </a:rPr>
+                                  <m:t>𝑟</m:t>
+                                </m:r>
+                              </m:e>
+                              <m:sub>
+                                <m:r>
+                                  <a:rPr lang="en-US" b="0" i="1" smtClean="0">
+                                    <a:latin typeface="Cambria Math" panose="02040503050406030204" pitchFamily="18" charset="0"/>
+                                  </a:rPr>
+                                  <m:t>𝑚</m:t>
+                                </m:r>
+                              </m:sub>
+                            </m:sSub>
+                          </m:den>
+                        </m:f>
+                      </m:num>
+                      <m:den>
+                        <m:r>
+                          <a:rPr lang="en-US" b="0" i="1" smtClean="0">
+                            <a:latin typeface="Cambria Math" panose="02040503050406030204" pitchFamily="18" charset="0"/>
+                          </a:rPr>
+                          <m:t>4</m:t>
+                        </m:r>
+                      </m:den>
+                    </m:f>
+                  </m:oMath>
+                </a14:m>
+                <a:endParaRPr lang="en-US" dirty="0"/>
+              </a:p>
+              <a:p>
+                <a:r>
+                  <a:rPr lang="en-US" dirty="0"/>
+                  <a:t>For the near-field, D &lt;&lt; </a:t>
+                </a:r>
+                <a:r>
+                  <a:rPr lang="en-US" dirty="0" err="1"/>
+                  <a:t>r_m</a:t>
+                </a:r>
+                <a:r>
+                  <a:rPr lang="en-US" dirty="0"/>
+                  <a:t>, </a:t>
+                </a:r>
+                <a14:m>
+                  <m:oMath xmlns:m="http://schemas.openxmlformats.org/officeDocument/2006/math">
+                    <m:sSub>
+                      <m:sSubPr>
+                        <m:ctrlPr>
+                          <a:rPr lang="en-US" i="1">
+                            <a:latin typeface="Cambria Math" panose="02040503050406030204" pitchFamily="18" charset="0"/>
+                          </a:rPr>
+                        </m:ctrlPr>
+                      </m:sSubPr>
+                      <m:e>
+                        <m:r>
+                          <a:rPr lang="en-US" i="1">
+                            <a:latin typeface="Cambria Math" panose="02040503050406030204" pitchFamily="18" charset="0"/>
+                          </a:rPr>
+                          <m:t>𝑣</m:t>
+                        </m:r>
+                      </m:e>
+                      <m:sub>
+                        <m:r>
+                          <a:rPr lang="en-US" i="1">
+                            <a:latin typeface="Cambria Math" panose="02040503050406030204" pitchFamily="18" charset="0"/>
+                          </a:rPr>
+                          <m:t>𝑚𝑖𝑛</m:t>
+                        </m:r>
+                      </m:sub>
+                    </m:sSub>
+                    <m:r>
+                      <a:rPr lang="en-US" b="0" i="1" smtClean="0">
+                        <a:latin typeface="Cambria Math" panose="02040503050406030204" pitchFamily="18" charset="0"/>
+                      </a:rPr>
+                      <m:t>∼</m:t>
+                    </m:r>
+                  </m:oMath>
+                </a14:m>
+                <a:r>
+                  <a:rPr lang="en-US" dirty="0"/>
+                  <a:t> </a:t>
+                </a:r>
+                <a14:m>
+                  <m:oMath xmlns:m="http://schemas.openxmlformats.org/officeDocument/2006/math">
+                    <m:sSub>
+                      <m:sSubPr>
+                        <m:ctrlPr>
+                          <a:rPr lang="en-US" i="1">
+                            <a:latin typeface="Cambria Math" panose="02040503050406030204" pitchFamily="18" charset="0"/>
+                          </a:rPr>
+                        </m:ctrlPr>
+                      </m:sSubPr>
+                      <m:e>
+                        <m:r>
+                          <a:rPr lang="en-US" i="1">
+                            <a:latin typeface="Cambria Math" panose="02040503050406030204" pitchFamily="18" charset="0"/>
+                          </a:rPr>
+                          <m:t>𝑣</m:t>
+                        </m:r>
+                      </m:e>
+                      <m:sub>
+                        <m:r>
+                          <a:rPr lang="en-US" i="1">
+                            <a:latin typeface="Cambria Math" panose="02040503050406030204" pitchFamily="18" charset="0"/>
+                          </a:rPr>
+                          <m:t>𝑒𝑠𝑐</m:t>
+                        </m:r>
+                      </m:sub>
+                    </m:sSub>
+                    <m:rad>
+                      <m:radPr>
+                        <m:degHide m:val="on"/>
+                        <m:ctrlPr>
+                          <a:rPr lang="en-US" i="1" smtClean="0">
+                            <a:latin typeface="Cambria Math" panose="02040503050406030204" pitchFamily="18" charset="0"/>
+                          </a:rPr>
+                        </m:ctrlPr>
+                      </m:radPr>
+                      <m:deg/>
+                      <m:e>
+                        <m:f>
+                          <m:fPr>
+                            <m:ctrlPr>
+                              <a:rPr lang="en-US" i="1" smtClean="0">
+                                <a:latin typeface="Cambria Math" panose="02040503050406030204" pitchFamily="18" charset="0"/>
+                              </a:rPr>
+                            </m:ctrlPr>
+                          </m:fPr>
+                          <m:num>
+                            <m:r>
+                              <a:rPr lang="en-US" b="0" i="1" smtClean="0">
+                                <a:latin typeface="Cambria Math" panose="02040503050406030204" pitchFamily="18" charset="0"/>
+                              </a:rPr>
+                              <m:t>𝐷</m:t>
+                            </m:r>
+                          </m:num>
+                          <m:den>
+                            <m:r>
+                              <a:rPr lang="en-US" b="0" i="1" smtClean="0">
+                                <a:latin typeface="Cambria Math" panose="02040503050406030204" pitchFamily="18" charset="0"/>
+                              </a:rPr>
+                              <m:t>2</m:t>
+                            </m:r>
+                            <m:sSub>
+                              <m:sSubPr>
+                                <m:ctrlPr>
+                                  <a:rPr lang="en-US" b="0" i="1" smtClean="0">
+                                    <a:latin typeface="Cambria Math" panose="02040503050406030204" pitchFamily="18" charset="0"/>
+                                  </a:rPr>
+                                </m:ctrlPr>
+                              </m:sSubPr>
+                              <m:e>
+                                <m:r>
+                                  <a:rPr lang="en-US" b="0" i="1" smtClean="0">
+                                    <a:latin typeface="Cambria Math" panose="02040503050406030204" pitchFamily="18" charset="0"/>
+                                  </a:rPr>
+                                  <m:t>𝑟</m:t>
+                                </m:r>
+                              </m:e>
+                              <m:sub>
+                                <m:r>
+                                  <a:rPr lang="en-US" b="0" i="1" smtClean="0">
+                                    <a:latin typeface="Cambria Math" panose="02040503050406030204" pitchFamily="18" charset="0"/>
+                                  </a:rPr>
+                                  <m:t>𝑚</m:t>
+                                </m:r>
+                              </m:sub>
+                            </m:sSub>
+                          </m:den>
+                        </m:f>
+                      </m:e>
+                    </m:rad>
+                    <m:r>
+                      <a:rPr lang="en-US" b="0" i="1" smtClean="0">
+                        <a:latin typeface="Cambria Math" panose="02040503050406030204" pitchFamily="18" charset="0"/>
+                      </a:rPr>
+                      <m:t>=</m:t>
+                    </m:r>
+                    <m:rad>
+                      <m:radPr>
+                        <m:degHide m:val="on"/>
+                        <m:ctrlPr>
+                          <a:rPr lang="en-US" b="0" i="1" smtClean="0">
+                            <a:latin typeface="Cambria Math" panose="02040503050406030204" pitchFamily="18" charset="0"/>
+                          </a:rPr>
+                        </m:ctrlPr>
+                      </m:radPr>
+                      <m:deg/>
+                      <m:e>
+                        <m:r>
+                          <a:rPr lang="en-US" b="0" i="1" smtClean="0">
+                            <a:latin typeface="Cambria Math" panose="02040503050406030204" pitchFamily="18" charset="0"/>
+                          </a:rPr>
+                          <m:t>𝑔𝐷</m:t>
+                        </m:r>
+                      </m:e>
+                    </m:rad>
+                  </m:oMath>
+                </a14:m>
+                <a:r>
+                  <a:rPr lang="en-US" dirty="0"/>
+                  <a:t> (as expected)</a:t>
+                </a:r>
+              </a:p>
+              <a:p>
+                <a:r>
+                  <a:rPr lang="en-US" dirty="0"/>
+                  <a:t>For any zenith angle, </a:t>
+                </a:r>
+                <a14:m>
+                  <m:oMath xmlns:m="http://schemas.openxmlformats.org/officeDocument/2006/math">
+                    <m:sSub>
+                      <m:sSubPr>
+                        <m:ctrlPr>
+                          <a:rPr lang="en-US" i="1">
+                            <a:latin typeface="Cambria Math" panose="02040503050406030204" pitchFamily="18" charset="0"/>
+                          </a:rPr>
+                        </m:ctrlPr>
+                      </m:sSubPr>
+                      <m:e>
+                        <m:r>
+                          <a:rPr lang="en-US" i="1">
+                            <a:latin typeface="Cambria Math" panose="02040503050406030204" pitchFamily="18" charset="0"/>
+                          </a:rPr>
+                          <m:t>𝑣</m:t>
+                        </m:r>
+                      </m:e>
+                      <m:sub>
+                        <m:r>
+                          <a:rPr lang="en-US" i="1">
+                            <a:latin typeface="Cambria Math" panose="02040503050406030204" pitchFamily="18" charset="0"/>
+                          </a:rPr>
+                          <m:t>𝑚𝑖𝑛</m:t>
+                        </m:r>
+                      </m:sub>
+                    </m:sSub>
+                    <m:r>
+                      <a:rPr lang="en-US" i="1">
+                        <a:latin typeface="Cambria Math" panose="02040503050406030204" pitchFamily="18" charset="0"/>
+                      </a:rPr>
+                      <m:t>∼</m:t>
+                    </m:r>
+                  </m:oMath>
+                </a14:m>
+                <a:r>
+                  <a:rPr lang="en-US" dirty="0"/>
+                  <a:t> </a:t>
+                </a:r>
+                <a14:m>
+                  <m:oMath xmlns:m="http://schemas.openxmlformats.org/officeDocument/2006/math">
+                    <m:sSub>
+                      <m:sSubPr>
+                        <m:ctrlPr>
+                          <a:rPr lang="en-US" i="1">
+                            <a:latin typeface="Cambria Math" panose="02040503050406030204" pitchFamily="18" charset="0"/>
+                          </a:rPr>
+                        </m:ctrlPr>
+                      </m:sSubPr>
+                      <m:e>
+                        <m:r>
+                          <a:rPr lang="en-US" i="1">
+                            <a:latin typeface="Cambria Math" panose="02040503050406030204" pitchFamily="18" charset="0"/>
+                          </a:rPr>
+                          <m:t>𝑣</m:t>
+                        </m:r>
+                      </m:e>
+                      <m:sub>
+                        <m:r>
+                          <a:rPr lang="en-US" i="1">
+                            <a:latin typeface="Cambria Math" panose="02040503050406030204" pitchFamily="18" charset="0"/>
+                          </a:rPr>
+                          <m:t>𝑒𝑠𝑐</m:t>
+                        </m:r>
+                      </m:sub>
+                    </m:sSub>
+                    <m:rad>
+                      <m:radPr>
+                        <m:degHide m:val="on"/>
+                        <m:ctrlPr>
+                          <a:rPr lang="en-US" i="1">
+                            <a:latin typeface="Cambria Math" panose="02040503050406030204" pitchFamily="18" charset="0"/>
+                          </a:rPr>
+                        </m:ctrlPr>
+                      </m:radPr>
+                      <m:deg/>
+                      <m:e>
+                        <m:f>
+                          <m:fPr>
+                            <m:ctrlPr>
+                              <a:rPr lang="en-US" i="1">
+                                <a:latin typeface="Cambria Math" panose="02040503050406030204" pitchFamily="18" charset="0"/>
+                              </a:rPr>
+                            </m:ctrlPr>
+                          </m:fPr>
+                          <m:num>
+                            <m:r>
+                              <a:rPr lang="en-US" i="1">
+                                <a:latin typeface="Cambria Math" panose="02040503050406030204" pitchFamily="18" charset="0"/>
+                              </a:rPr>
+                              <m:t>𝐷</m:t>
+                            </m:r>
+                          </m:num>
+                          <m:den>
+                            <m:r>
+                              <a:rPr lang="en-US" i="1">
+                                <a:latin typeface="Cambria Math" panose="02040503050406030204" pitchFamily="18" charset="0"/>
+                              </a:rPr>
+                              <m:t>2</m:t>
+                            </m:r>
+                            <m:sSub>
+                              <m:sSubPr>
+                                <m:ctrlPr>
+                                  <a:rPr lang="en-US" i="1">
+                                    <a:latin typeface="Cambria Math" panose="02040503050406030204" pitchFamily="18" charset="0"/>
+                                  </a:rPr>
+                                </m:ctrlPr>
+                              </m:sSubPr>
+                              <m:e>
+                                <m:r>
+                                  <a:rPr lang="en-US" i="1">
+                                    <a:latin typeface="Cambria Math" panose="02040503050406030204" pitchFamily="18" charset="0"/>
+                                  </a:rPr>
+                                  <m:t>𝑟</m:t>
+                                </m:r>
+                              </m:e>
+                              <m:sub>
+                                <m:r>
+                                  <a:rPr lang="en-US" i="1">
+                                    <a:latin typeface="Cambria Math" panose="02040503050406030204" pitchFamily="18" charset="0"/>
+                                  </a:rPr>
+                                  <m:t>𝑚</m:t>
+                                </m:r>
+                              </m:sub>
+                            </m:sSub>
+                            <m:func>
+                              <m:funcPr>
+                                <m:ctrlPr>
+                                  <a:rPr lang="en-US" b="0" i="1" smtClean="0">
+                                    <a:latin typeface="Cambria Math" panose="02040503050406030204" pitchFamily="18" charset="0"/>
+                                  </a:rPr>
+                                </m:ctrlPr>
+                              </m:funcPr>
+                              <m:fName>
+                                <m:r>
+                                  <m:rPr>
+                                    <m:sty m:val="p"/>
+                                  </m:rPr>
+                                  <a:rPr lang="en-US" b="0" i="0" smtClean="0">
+                                    <a:latin typeface="Cambria Math" panose="02040503050406030204" pitchFamily="18" charset="0"/>
+                                  </a:rPr>
+                                  <m:t>sin</m:t>
+                                </m:r>
+                              </m:fName>
+                              <m:e>
+                                <m:r>
+                                  <a:rPr lang="en-US" b="0" i="1" smtClean="0">
+                                    <a:latin typeface="Cambria Math" panose="02040503050406030204" pitchFamily="18" charset="0"/>
+                                  </a:rPr>
+                                  <m:t>(2</m:t>
+                                </m:r>
+                                <m:r>
+                                  <a:rPr lang="en-US" b="0" i="1" smtClean="0">
+                                    <a:latin typeface="Cambria Math" panose="02040503050406030204" pitchFamily="18" charset="0"/>
+                                  </a:rPr>
+                                  <m:t>𝛾</m:t>
+                                </m:r>
+                                <m:r>
+                                  <a:rPr lang="en-US" b="0" i="1" smtClean="0">
+                                    <a:latin typeface="Cambria Math" panose="02040503050406030204" pitchFamily="18" charset="0"/>
+                                  </a:rPr>
+                                  <m:t>)</m:t>
+                                </m:r>
+                              </m:e>
+                            </m:func>
+                          </m:den>
+                        </m:f>
+                      </m:e>
+                    </m:rad>
+                  </m:oMath>
+                </a14:m>
+                <a:endParaRPr lang="en-US" dirty="0"/>
+              </a:p>
+            </p:txBody>
+          </p:sp>
+        </mc:Choice>
+        <mc:Fallback>
+          <p:sp>
+            <p:nvSpPr>
+              <p:cNvPr id="3" name="Content Placeholder 2">
+                <a:extLst>
+                  <a:ext uri="{FF2B5EF4-FFF2-40B4-BE49-F238E27FC236}">
+                    <a16:creationId xmlns:a16="http://schemas.microsoft.com/office/drawing/2014/main" id="{10398F79-1004-43DC-A228-9998B6E34EBF}"/>
+                  </a:ext>
+                </a:extLst>
+              </p:cNvPr>
+              <p:cNvSpPr>
+                <a:spLocks noGrp="1" noRot="1" noChangeAspect="1" noMove="1" noResize="1" noEditPoints="1" noAdjustHandles="1" noChangeArrowheads="1" noChangeShapeType="1" noTextEdit="1"/>
+              </p:cNvSpPr>
+              <p:nvPr>
+                <p:ph idx="1"/>
+              </p:nvPr>
+            </p:nvSpPr>
+            <p:spPr>
+              <a:blipFill>
+                <a:blip r:embed="rId2"/>
+                <a:stretch>
+                  <a:fillRect l="-1043" t="-1821" r="-696"/>
+                </a:stretch>
+              </a:blipFill>
+            </p:spPr>
+            <p:txBody>
+              <a:bodyPr/>
+              <a:lstStyle/>
+              <a:p>
+                <a:r>
+                  <a:rPr lang="en-US">
+                    <a:noFill/>
+                  </a:rPr>
+                  <a:t> </a:t>
+                </a:r>
+              </a:p>
+            </p:txBody>
+          </p:sp>
+        </mc:Fallback>
+      </mc:AlternateContent>
+      <p:pic>
+        <p:nvPicPr>
+          <p:cNvPr id="1026" name="Picture 2">
+            <a:extLst>
+              <a:ext uri="{FF2B5EF4-FFF2-40B4-BE49-F238E27FC236}">
+                <a16:creationId xmlns:a16="http://schemas.microsoft.com/office/drawing/2014/main" id="{0169FC6E-B554-4701-8518-110C7CDB25FA}"/>
+              </a:ext>
+            </a:extLst>
+          </p:cNvPr>
+          <p:cNvPicPr>
+            <a:picLocks noChangeAspect="1" noChangeArrowheads="1"/>
+          </p:cNvPicPr>
+          <p:nvPr/>
+        </p:nvPicPr>
+        <p:blipFill>
+          <a:blip r:embed="rId3">
+            <a:extLst>
+              <a:ext uri="{28A0092B-C50C-407E-A947-70E740481C1C}">
+                <a14:useLocalDpi xmlns:a14="http://schemas.microsoft.com/office/drawing/2010/main" val="0"/>
+              </a:ext>
+            </a:extLst>
+          </a:blip>
+          <a:srcRect/>
+          <a:stretch>
+            <a:fillRect/>
+          </a:stretch>
+        </p:blipFill>
+        <p:spPr bwMode="auto">
+          <a:xfrm>
+            <a:off x="8234756" y="187878"/>
+            <a:ext cx="3524250" cy="2019300"/>
+          </a:xfrm>
+          <a:prstGeom prst="rect">
+            <a:avLst/>
+          </a:prstGeom>
+          <a:noFill/>
+          <a:extLst>
+            <a:ext uri="{909E8E84-426E-40DD-AFC4-6F175D3DCCD1}">
+              <a14:hiddenFill xmlns:a14="http://schemas.microsoft.com/office/drawing/2010/main">
+                <a:solidFill>
+                  <a:srgbClr val="FFFFFF"/>
+                </a:solidFill>
+              </a14:hiddenFill>
+            </a:ext>
+          </a:extLst>
+        </p:spPr>
+      </p:pic>
+      <p:sp>
+        <p:nvSpPr>
+          <p:cNvPr id="4" name="Rectangle 3">
+            <a:extLst>
+              <a:ext uri="{FF2B5EF4-FFF2-40B4-BE49-F238E27FC236}">
+                <a16:creationId xmlns:a16="http://schemas.microsoft.com/office/drawing/2014/main" id="{742CC6E6-0C63-49B2-9EC2-C88A62978876}"/>
+              </a:ext>
+            </a:extLst>
+          </p:cNvPr>
+          <p:cNvSpPr/>
+          <p:nvPr/>
+        </p:nvSpPr>
+        <p:spPr>
+          <a:xfrm>
+            <a:off x="7854892" y="2207178"/>
+            <a:ext cx="4468536" cy="246221"/>
+          </a:xfrm>
+          <a:prstGeom prst="rect">
+            <a:avLst/>
+          </a:prstGeom>
+        </p:spPr>
+        <p:txBody>
+          <a:bodyPr wrap="square">
+            <a:spAutoFit/>
+          </a:bodyPr>
+          <a:lstStyle/>
+          <a:p>
+            <a:r>
+              <a:rPr lang="en-US" sz="1000" dirty="0"/>
+              <a:t>https://thefactfactor.com/facts/pure_science/physics/projectile-motion/10299/</a:t>
+            </a:r>
+          </a:p>
+        </p:txBody>
+      </p:sp>
+    </p:spTree>
+    <p:extLst>
+      <p:ext uri="{BB962C8B-B14F-4D97-AF65-F5344CB8AC3E}">
+        <p14:creationId xmlns:p14="http://schemas.microsoft.com/office/powerpoint/2010/main" val="1981704608"/>
+      </p:ext>
+    </p:extLst>
+  </p:cSld>
+  <p:clrMapOvr>
+    <a:masterClrMapping/>
+  </p:clrMapOvr>
+</p:sld>
+</file>
+
+<file path=ppt/slides/slide3.xml><?xml version="1.0" encoding="utf-8"?>
+<p:sld xmlns:a="http://schemas.openxmlformats.org/drawingml/2006/main" xmlns:r="http://schemas.openxmlformats.org/officeDocument/2006/relationships" xmlns:p="http://schemas.openxmlformats.org/presentationml/2006/main">
+  <p:cSld>
     <p:bg>
       <p:bgPr>
         <a:solidFill>
@@ -4960,7 +6058,7 @@
 </p:sld>
 </file>
 
-<file path=ppt/slides/slide3.xml><?xml version="1.0" encoding="utf-8"?>
+<file path=ppt/slides/slide4.xml><?xml version="1.0" encoding="utf-8"?>
 <p:sld xmlns:a="http://schemas.openxmlformats.org/drawingml/2006/main" xmlns:r="http://schemas.openxmlformats.org/officeDocument/2006/relationships" xmlns:p="http://schemas.openxmlformats.org/presentationml/2006/main">
   <p:cSld>
     <p:bg>
@@ -5396,7 +6494,7 @@
         </p:spPr>
         <p:txBody>
           <a:bodyPr>
-            <a:normAutofit/>
+            <a:normAutofit lnSpcReduction="10000"/>
           </a:bodyPr>
           <a:lstStyle/>
           <a:p>
@@ -5450,11 +6548,15 @@
               <a:rPr lang="en-US" sz="1300" dirty="0">
                 <a:latin typeface="Arial Black" panose="020B0A04020102020204" pitchFamily="34" charset="0"/>
               </a:rPr>
-              <a:t>height/lunar radius</a:t>
-            </a:r>
-          </a:p>
-          <a:p>
-            <a:endParaRPr lang="en-US" sz="1700" dirty="0"/>
+              <a:t>1 x height/lunar radius</a:t>
+            </a:r>
+          </a:p>
+          <a:p>
+            <a:pPr lvl="1"/>
+            <a:r>
+              <a:rPr lang="en-US" sz="1700" dirty="0"/>
+              <a:t>E.g., 52m / 1737km = 3E-5</a:t>
+            </a:r>
           </a:p>
         </p:txBody>
       </p:sp>
@@ -5742,10 +6844,120 @@
           </a:p>
         </p:txBody>
       </p:sp>
+      <p:pic>
+        <p:nvPicPr>
+          <p:cNvPr id="3" name="Picture 2">
+            <a:extLst>
+              <a:ext uri="{FF2B5EF4-FFF2-40B4-BE49-F238E27FC236}">
+                <a16:creationId xmlns:a16="http://schemas.microsoft.com/office/drawing/2014/main" id="{DB5E8857-AE67-4823-A597-0CBEDA96E9DA}"/>
+              </a:ext>
+            </a:extLst>
+          </p:cNvPr>
+          <p:cNvPicPr>
+            <a:picLocks noChangeAspect="1"/>
+          </p:cNvPicPr>
+          <p:nvPr/>
+        </p:nvPicPr>
+        <p:blipFill>
+          <a:blip r:embed="rId6"/>
+          <a:stretch>
+            <a:fillRect/>
+          </a:stretch>
+        </p:blipFill>
+        <p:spPr>
+          <a:xfrm>
+            <a:off x="6485029" y="723834"/>
+            <a:ext cx="800100" cy="361950"/>
+          </a:xfrm>
+          <a:prstGeom prst="rect">
+            <a:avLst/>
+          </a:prstGeom>
+        </p:spPr>
+      </p:pic>
     </p:spTree>
     <p:extLst>
       <p:ext uri="{BB962C8B-B14F-4D97-AF65-F5344CB8AC3E}">
         <p14:creationId xmlns:p14="http://schemas.microsoft.com/office/powerpoint/2010/main" val="4229897601"/>
+      </p:ext>
+    </p:extLst>
+  </p:cSld>
+  <p:clrMapOvr>
+    <a:masterClrMapping/>
+  </p:clrMapOvr>
+</p:sld>
+</file>
+
+<file path=ppt/slides/slide5.xml><?xml version="1.0" encoding="utf-8"?>
+<p:sld xmlns:a="http://schemas.openxmlformats.org/drawingml/2006/main" xmlns:r="http://schemas.openxmlformats.org/officeDocument/2006/relationships" xmlns:p="http://schemas.openxmlformats.org/presentationml/2006/main">
+  <p:cSld>
+    <p:spTree>
+      <p:nvGrpSpPr>
+        <p:cNvPr id="1" name=""/>
+        <p:cNvGrpSpPr/>
+        <p:nvPr/>
+      </p:nvGrpSpPr>
+      <p:grpSpPr>
+        <a:xfrm>
+          <a:off x="0" y="0"/>
+          <a:ext cx="0" cy="0"/>
+          <a:chOff x="0" y="0"/>
+          <a:chExt cx="0" cy="0"/>
+        </a:xfrm>
+      </p:grpSpPr>
+      <p:sp>
+        <p:nvSpPr>
+          <p:cNvPr id="2" name="Title 1">
+            <a:extLst>
+              <a:ext uri="{FF2B5EF4-FFF2-40B4-BE49-F238E27FC236}">
+                <a16:creationId xmlns:a16="http://schemas.microsoft.com/office/drawing/2014/main" id="{E6C5F508-FACF-4C86-8210-EE230773C9F5}"/>
+              </a:ext>
+            </a:extLst>
+          </p:cNvPr>
+          <p:cNvSpPr>
+            <a:spLocks noGrp="1"/>
+          </p:cNvSpPr>
+          <p:nvPr>
+            <p:ph type="title"/>
+          </p:nvPr>
+        </p:nvSpPr>
+        <p:spPr/>
+        <p:txBody>
+          <a:bodyPr/>
+          <a:lstStyle/>
+          <a:p>
+            <a:endParaRPr lang="en-US"/>
+          </a:p>
+        </p:txBody>
+      </p:sp>
+      <p:sp>
+        <p:nvSpPr>
+          <p:cNvPr id="3" name="Content Placeholder 2">
+            <a:extLst>
+              <a:ext uri="{FF2B5EF4-FFF2-40B4-BE49-F238E27FC236}">
+                <a16:creationId xmlns:a16="http://schemas.microsoft.com/office/drawing/2014/main" id="{575FA824-E24B-4A34-856D-FE6EC0E6AD63}"/>
+              </a:ext>
+            </a:extLst>
+          </p:cNvPr>
+          <p:cNvSpPr>
+            <a:spLocks noGrp="1"/>
+          </p:cNvSpPr>
+          <p:nvPr>
+            <p:ph idx="1"/>
+          </p:nvPr>
+        </p:nvSpPr>
+        <p:spPr/>
+        <p:txBody>
+          <a:bodyPr/>
+          <a:lstStyle/>
+          <a:p>
+            <a:endParaRPr lang="en-US"/>
+          </a:p>
+        </p:txBody>
+      </p:sp>
+    </p:spTree>
+    <p:extLst>
+      <p:ext uri="{BB962C8B-B14F-4D97-AF65-F5344CB8AC3E}">
+        <p14:creationId xmlns:p14="http://schemas.microsoft.com/office/powerpoint/2010/main" val="3924203921"/>
       </p:ext>
     </p:extLst>
   </p:cSld>

--- a/LaTeX_Report/Meeting_over_MeMoSeE.pptx
+++ b/LaTeX_Report/Meeting_over_MeMoSeE.pptx
@@ -7,9 +7,9 @@
   <p:sldIdLst>
     <p:sldId id="256" r:id="rId2"/>
     <p:sldId id="260" r:id="rId3"/>
-    <p:sldId id="257" r:id="rId4"/>
-    <p:sldId id="258" r:id="rId5"/>
-    <p:sldId id="259" r:id="rId6"/>
+    <p:sldId id="261" r:id="rId4"/>
+    <p:sldId id="257" r:id="rId5"/>
+    <p:sldId id="258" r:id="rId6"/>
   </p:sldIdLst>
   <p:sldSz cx="12192000" cy="6858000"/>
   <p:notesSz cx="6858000" cy="9144000"/>
@@ -3182,8 +3182,8 @@
           </a:p>
         </p:txBody>
       </p:sp>
-      <mc:AlternateContent xmlns:mc="http://schemas.openxmlformats.org/markup-compatibility/2006">
-        <mc:Choice xmlns:a14="http://schemas.microsoft.com/office/drawing/2010/main" Requires="a14">
+      <mc:AlternateContent xmlns:mc="http://schemas.openxmlformats.org/markup-compatibility/2006" xmlns:a14="http://schemas.microsoft.com/office/drawing/2010/main">
+        <mc:Choice Requires="a14">
           <p:sp>
             <p:nvSpPr>
               <p:cNvPr id="3" name="Content Placeholder 2">
@@ -3221,7 +3221,7 @@
                         <m:d>
                           <m:dPr>
                             <m:ctrlPr>
-                              <a:rPr lang="en-US" b="0" i="0" smtClean="0">
+                              <a:rPr lang="en-US" b="0" i="1" smtClean="0">
                                 <a:latin typeface="Cambria Math" panose="02040503050406030204" pitchFamily="18" charset="0"/>
                               </a:rPr>
                             </m:ctrlPr>
@@ -4094,7 +4094,7 @@
             </p:txBody>
           </p:sp>
         </mc:Choice>
-        <mc:Fallback>
+        <mc:Fallback xmlns="">
           <p:sp>
             <p:nvSpPr>
               <p:cNvPr id="3" name="Content Placeholder 2">
@@ -4229,6 +4229,626 @@
 </file>
 
 <file path=ppt/slides/slide3.xml><?xml version="1.0" encoding="utf-8"?>
+<p:sld xmlns:a="http://schemas.openxmlformats.org/drawingml/2006/main" xmlns:r="http://schemas.openxmlformats.org/officeDocument/2006/relationships" xmlns:p="http://schemas.openxmlformats.org/presentationml/2006/main">
+  <p:cSld>
+    <p:bg>
+      <p:bgPr>
+        <a:solidFill>
+          <a:schemeClr val="bg1"/>
+        </a:solidFill>
+        <a:effectLst/>
+      </p:bgPr>
+    </p:bg>
+    <p:spTree>
+      <p:nvGrpSpPr>
+        <p:cNvPr id="1" name=""/>
+        <p:cNvGrpSpPr/>
+        <p:nvPr/>
+      </p:nvGrpSpPr>
+      <p:grpSpPr>
+        <a:xfrm>
+          <a:off x="0" y="0"/>
+          <a:ext cx="0" cy="0"/>
+          <a:chOff x="0" y="0"/>
+          <a:chExt cx="0" cy="0"/>
+        </a:xfrm>
+      </p:grpSpPr>
+      <p:sp>
+        <p:nvSpPr>
+          <p:cNvPr id="12" name="Rectangle 11">
+            <a:extLst>
+              <a:ext uri="{FF2B5EF4-FFF2-40B4-BE49-F238E27FC236}">
+                <a16:creationId xmlns:a16="http://schemas.microsoft.com/office/drawing/2014/main" id="{EBF87945-A001-489F-9D9B-7D9435F0B9CA}"/>
+              </a:ext>
+              <a:ext uri="{C183D7F6-B498-43B3-948B-1728B52AA6E4}">
+                <adec:decorative xmlns:adec="http://schemas.microsoft.com/office/drawing/2017/decorative" val="1"/>
+              </a:ext>
+            </a:extLst>
+          </p:cNvPr>
+          <p:cNvSpPr>
+            <a:spLocks noGrp="1" noRot="1" noChangeAspect="1" noMove="1" noResize="1" noEditPoints="1" noAdjustHandles="1" noChangeArrowheads="1" noChangeShapeType="1" noTextEdit="1"/>
+          </p:cNvSpPr>
+          <p:nvPr>
+            <p:extLst>
+              <p:ext uri="{386F3935-93C4-4BCD-93E2-E3B085C9AB24}">
+                <p16:designElem xmlns:p16="http://schemas.microsoft.com/office/powerpoint/2015/main" val="1"/>
+              </p:ext>
+            </p:extLst>
+          </p:nvPr>
+        </p:nvSpPr>
+        <p:spPr>
+          <a:xfrm>
+            <a:off x="548639" y="347471"/>
+            <a:ext cx="11100816" cy="1801368"/>
+          </a:xfrm>
+          <a:prstGeom prst="rect">
+            <a:avLst/>
+          </a:prstGeom>
+          <a:solidFill>
+            <a:schemeClr val="accent5"/>
+          </a:solidFill>
+          <a:ln>
+            <a:noFill/>
+          </a:ln>
+        </p:spPr>
+        <p:style>
+          <a:lnRef idx="2">
+            <a:schemeClr val="accent1">
+              <a:shade val="50000"/>
+            </a:schemeClr>
+          </a:lnRef>
+          <a:fillRef idx="1">
+            <a:schemeClr val="accent1"/>
+          </a:fillRef>
+          <a:effectRef idx="0">
+            <a:schemeClr val="accent1"/>
+          </a:effectRef>
+          <a:fontRef idx="minor">
+            <a:schemeClr val="lt1"/>
+          </a:fontRef>
+        </p:style>
+        <p:txBody>
+          <a:bodyPr rtlCol="0" anchor="ctr"/>
+          <a:lstStyle/>
+          <a:p>
+            <a:pPr algn="ctr"/>
+            <a:endParaRPr lang="en-US"/>
+          </a:p>
+        </p:txBody>
+      </p:sp>
+      <p:sp>
+        <p:nvSpPr>
+          <p:cNvPr id="2" name="Title 1">
+            <a:extLst>
+              <a:ext uri="{FF2B5EF4-FFF2-40B4-BE49-F238E27FC236}">
+                <a16:creationId xmlns:a16="http://schemas.microsoft.com/office/drawing/2014/main" id="{C5CA87EF-5D0D-4AF1-B2CD-C5B23B13C87F}"/>
+              </a:ext>
+            </a:extLst>
+          </p:cNvPr>
+          <p:cNvSpPr>
+            <a:spLocks noGrp="1"/>
+          </p:cNvSpPr>
+          <p:nvPr>
+            <p:ph type="title"/>
+          </p:nvPr>
+        </p:nvSpPr>
+        <p:spPr>
+          <a:xfrm>
+            <a:off x="838200" y="585216"/>
+            <a:ext cx="10515600" cy="1325563"/>
+          </a:xfrm>
+        </p:spPr>
+        <p:txBody>
+          <a:bodyPr>
+            <a:normAutofit/>
+          </a:bodyPr>
+          <a:lstStyle/>
+          <a:p>
+            <a:r>
+              <a:rPr lang="en-US">
+                <a:solidFill>
+                  <a:srgbClr val="FFFFFF"/>
+                </a:solidFill>
+              </a:rPr>
+              <a:t>Near-field</a:t>
+            </a:r>
+          </a:p>
+        </p:txBody>
+      </p:sp>
+      <p:pic>
+        <p:nvPicPr>
+          <p:cNvPr id="5" name="Content Placeholder 4">
+            <a:extLst>
+              <a:ext uri="{FF2B5EF4-FFF2-40B4-BE49-F238E27FC236}">
+                <a16:creationId xmlns:a16="http://schemas.microsoft.com/office/drawing/2014/main" id="{65B85978-1C4E-49B0-BE7F-624D3D028DC5}"/>
+              </a:ext>
+            </a:extLst>
+          </p:cNvPr>
+          <p:cNvPicPr>
+            <a:picLocks noChangeAspect="1"/>
+          </p:cNvPicPr>
+          <p:nvPr/>
+        </p:nvPicPr>
+        <p:blipFill rotWithShape="1">
+          <a:blip r:embed="rId2">
+            <a:extLst>
+              <a:ext uri="{28A0092B-C50C-407E-A947-70E740481C1C}">
+                <a14:useLocalDpi xmlns:a14="http://schemas.microsoft.com/office/drawing/2010/main" val="0"/>
+              </a:ext>
+            </a:extLst>
+          </a:blip>
+          <a:srcRect r="340" b="1"/>
+          <a:stretch/>
+        </p:blipFill>
+        <p:spPr>
+          <a:xfrm>
+            <a:off x="841248" y="2516777"/>
+            <a:ext cx="6236208" cy="3660185"/>
+          </a:xfrm>
+          <a:prstGeom prst="rect">
+            <a:avLst/>
+          </a:prstGeom>
+        </p:spPr>
+      </p:pic>
+      <p:sp>
+        <p:nvSpPr>
+          <p:cNvPr id="9" name="Content Placeholder 8">
+            <a:extLst>
+              <a:ext uri="{FF2B5EF4-FFF2-40B4-BE49-F238E27FC236}">
+                <a16:creationId xmlns:a16="http://schemas.microsoft.com/office/drawing/2014/main" id="{5BF6CA3D-8405-4EC7-8B13-B445B774F8A5}"/>
+              </a:ext>
+            </a:extLst>
+          </p:cNvPr>
+          <p:cNvSpPr>
+            <a:spLocks noGrp="1"/>
+          </p:cNvSpPr>
+          <p:nvPr>
+            <p:ph idx="1"/>
+          </p:nvPr>
+        </p:nvSpPr>
+        <p:spPr>
+          <a:xfrm>
+            <a:off x="7382311" y="2386585"/>
+            <a:ext cx="4412609" cy="3267595"/>
+          </a:xfrm>
+        </p:spPr>
+        <p:txBody>
+          <a:bodyPr anchor="ctr">
+            <a:normAutofit lnSpcReduction="10000"/>
+          </a:bodyPr>
+          <a:lstStyle/>
+          <a:p>
+            <a:r>
+              <a:rPr lang="en-US" sz="2200" dirty="0"/>
+              <a:t>Assumes power-law scaling at lowest speeds</a:t>
+            </a:r>
+            <a:r>
+              <a:rPr lang="en-US" sz="1800" dirty="0"/>
+              <a:t> (this is not entirely true!)</a:t>
+            </a:r>
+          </a:p>
+          <a:p>
+            <a:pPr lvl="1"/>
+            <a:r>
+              <a:rPr lang="en-US" sz="1800" dirty="0"/>
+              <a:t>In fact, we expect the peak at low distances to be flattened</a:t>
+            </a:r>
+          </a:p>
+          <a:p>
+            <a:r>
+              <a:rPr lang="en-US" sz="2200" dirty="0"/>
+              <a:t>The fraction of azimuth FOV from the impact to the observer perfectly cancels the </a:t>
+            </a:r>
+            <a:r>
+              <a:rPr lang="en-US" sz="2200" b="1" dirty="0"/>
+              <a:t>sin</a:t>
+            </a:r>
+            <a:r>
+              <a:rPr lang="en-US" sz="2200" dirty="0"/>
+              <a:t> term in the spherical integral</a:t>
+            </a:r>
+          </a:p>
+          <a:p>
+            <a:pPr lvl="1"/>
+            <a:r>
+              <a:rPr lang="en-US" sz="1800" dirty="0"/>
+              <a:t>to leading order related to the observer size over the distance from the observer</a:t>
+            </a:r>
+          </a:p>
+        </p:txBody>
+      </p:sp>
+      <p:sp>
+        <p:nvSpPr>
+          <p:cNvPr id="6" name="TextBox 5">
+            <a:extLst>
+              <a:ext uri="{FF2B5EF4-FFF2-40B4-BE49-F238E27FC236}">
+                <a16:creationId xmlns:a16="http://schemas.microsoft.com/office/drawing/2014/main" id="{AA00A3AF-DB65-466D-AC1D-8CEB7FE9FC8F}"/>
+              </a:ext>
+            </a:extLst>
+          </p:cNvPr>
+          <p:cNvSpPr txBox="1"/>
+          <p:nvPr/>
+        </p:nvSpPr>
+        <p:spPr>
+          <a:xfrm>
+            <a:off x="2769515" y="6175568"/>
+            <a:ext cx="3028425" cy="369332"/>
+          </a:xfrm>
+          <a:prstGeom prst="rect">
+            <a:avLst/>
+          </a:prstGeom>
+          <a:noFill/>
+        </p:spPr>
+        <p:txBody>
+          <a:bodyPr wrap="square" rtlCol="0">
+            <a:spAutoFit/>
+          </a:bodyPr>
+          <a:lstStyle/>
+          <a:p>
+            <a:r>
+              <a:rPr lang="en-US" dirty="0"/>
+              <a:t>Distance [units of lunar radii]</a:t>
+            </a:r>
+          </a:p>
+        </p:txBody>
+      </p:sp>
+      <p:sp>
+        <p:nvSpPr>
+          <p:cNvPr id="10" name="TextBox 9">
+            <a:extLst>
+              <a:ext uri="{FF2B5EF4-FFF2-40B4-BE49-F238E27FC236}">
+                <a16:creationId xmlns:a16="http://schemas.microsoft.com/office/drawing/2014/main" id="{273AAC9E-7293-4EFD-8947-08794E04893D}"/>
+              </a:ext>
+            </a:extLst>
+          </p:cNvPr>
+          <p:cNvSpPr txBox="1"/>
+          <p:nvPr/>
+        </p:nvSpPr>
+        <p:spPr>
+          <a:xfrm>
+            <a:off x="838200" y="2149521"/>
+            <a:ext cx="4757257" cy="369332"/>
+          </a:xfrm>
+          <a:prstGeom prst="rect">
+            <a:avLst/>
+          </a:prstGeom>
+          <a:noFill/>
+        </p:spPr>
+        <p:txBody>
+          <a:bodyPr wrap="square" rtlCol="0">
+            <a:spAutoFit/>
+          </a:bodyPr>
+          <a:lstStyle/>
+          <a:p>
+            <a:r>
+              <a:rPr lang="en-US" dirty="0"/>
+              <a:t>Differential ejecta flux [mass flux per distance]</a:t>
+            </a:r>
+          </a:p>
+        </p:txBody>
+      </p:sp>
+      <p:cxnSp>
+        <p:nvCxnSpPr>
+          <p:cNvPr id="8" name="Straight Arrow Connector 7">
+            <a:extLst>
+              <a:ext uri="{FF2B5EF4-FFF2-40B4-BE49-F238E27FC236}">
+                <a16:creationId xmlns:a16="http://schemas.microsoft.com/office/drawing/2014/main" id="{57D0EB13-00F2-4391-B7E2-D36A31CE0F60}"/>
+              </a:ext>
+            </a:extLst>
+          </p:cNvPr>
+          <p:cNvCxnSpPr>
+            <a:cxnSpLocks/>
+            <a:stCxn id="13" idx="0"/>
+          </p:cNvCxnSpPr>
+          <p:nvPr/>
+        </p:nvCxnSpPr>
+        <p:spPr>
+          <a:xfrm flipV="1">
+            <a:off x="1630082" y="5939996"/>
+            <a:ext cx="32404" cy="419556"/>
+          </a:xfrm>
+          <a:prstGeom prst="straightConnector1">
+            <a:avLst/>
+          </a:prstGeom>
+          <a:ln w="28575">
+            <a:tailEnd type="triangle"/>
+          </a:ln>
+        </p:spPr>
+        <p:style>
+          <a:lnRef idx="1">
+            <a:schemeClr val="accent6"/>
+          </a:lnRef>
+          <a:fillRef idx="0">
+            <a:schemeClr val="accent6"/>
+          </a:fillRef>
+          <a:effectRef idx="0">
+            <a:schemeClr val="accent6"/>
+          </a:effectRef>
+          <a:fontRef idx="minor">
+            <a:schemeClr val="tx1"/>
+          </a:fontRef>
+        </p:style>
+      </p:cxnSp>
+      <p:sp>
+        <p:nvSpPr>
+          <p:cNvPr id="13" name="TextBox 12">
+            <a:extLst>
+              <a:ext uri="{FF2B5EF4-FFF2-40B4-BE49-F238E27FC236}">
+                <a16:creationId xmlns:a16="http://schemas.microsoft.com/office/drawing/2014/main" id="{90C79285-5FDC-4BD3-B742-BC2681C48AF4}"/>
+              </a:ext>
+            </a:extLst>
+          </p:cNvPr>
+          <p:cNvSpPr txBox="1"/>
+          <p:nvPr/>
+        </p:nvSpPr>
+        <p:spPr>
+          <a:xfrm>
+            <a:off x="725344" y="6359552"/>
+            <a:ext cx="1809475" cy="369332"/>
+          </a:xfrm>
+          <a:prstGeom prst="rect">
+            <a:avLst/>
+          </a:prstGeom>
+          <a:noFill/>
+          <a:ln>
+            <a:solidFill>
+              <a:schemeClr val="accent6"/>
+            </a:solidFill>
+          </a:ln>
+        </p:spPr>
+        <p:txBody>
+          <a:bodyPr wrap="square" rtlCol="0">
+            <a:spAutoFit/>
+          </a:bodyPr>
+          <a:lstStyle/>
+          <a:p>
+            <a:r>
+              <a:rPr lang="en-US" dirty="0"/>
+              <a:t>Size of observer</a:t>
+            </a:r>
+          </a:p>
+        </p:txBody>
+      </p:sp>
+      <p:sp>
+        <p:nvSpPr>
+          <p:cNvPr id="16" name="Arc 15">
+            <a:extLst>
+              <a:ext uri="{FF2B5EF4-FFF2-40B4-BE49-F238E27FC236}">
+                <a16:creationId xmlns:a16="http://schemas.microsoft.com/office/drawing/2014/main" id="{CCB161CD-FAB3-42C0-8DF0-9B2A96B77553}"/>
+              </a:ext>
+            </a:extLst>
+          </p:cNvPr>
+          <p:cNvSpPr/>
+          <p:nvPr/>
+        </p:nvSpPr>
+        <p:spPr>
+          <a:xfrm>
+            <a:off x="1662485" y="3796995"/>
+            <a:ext cx="2062227" cy="914400"/>
+          </a:xfrm>
+          <a:prstGeom prst="arc">
+            <a:avLst>
+              <a:gd name="adj1" fmla="val 11325147"/>
+              <a:gd name="adj2" fmla="val 16878911"/>
+            </a:avLst>
+          </a:prstGeom>
+          <a:ln w="19050">
+            <a:prstDash val="dash"/>
+          </a:ln>
+        </p:spPr>
+        <p:style>
+          <a:lnRef idx="1">
+            <a:schemeClr val="accent6"/>
+          </a:lnRef>
+          <a:fillRef idx="0">
+            <a:schemeClr val="accent6"/>
+          </a:fillRef>
+          <a:effectRef idx="0">
+            <a:schemeClr val="accent6"/>
+          </a:effectRef>
+          <a:fontRef idx="minor">
+            <a:schemeClr val="tx1"/>
+          </a:fontRef>
+        </p:style>
+        <p:txBody>
+          <a:bodyPr rtlCol="0" anchor="ctr"/>
+          <a:lstStyle/>
+          <a:p>
+            <a:pPr algn="ctr"/>
+            <a:endParaRPr lang="en-US"/>
+          </a:p>
+        </p:txBody>
+      </p:sp>
+      <p:cxnSp>
+        <p:nvCxnSpPr>
+          <p:cNvPr id="17" name="Straight Arrow Connector 16">
+            <a:extLst>
+              <a:ext uri="{FF2B5EF4-FFF2-40B4-BE49-F238E27FC236}">
+                <a16:creationId xmlns:a16="http://schemas.microsoft.com/office/drawing/2014/main" id="{9EEA3D1B-9F12-4BF2-8C28-A5F8AB7812E2}"/>
+              </a:ext>
+            </a:extLst>
+          </p:cNvPr>
+          <p:cNvCxnSpPr>
+            <a:cxnSpLocks/>
+          </p:cNvCxnSpPr>
+          <p:nvPr/>
+        </p:nvCxnSpPr>
+        <p:spPr>
+          <a:xfrm flipH="1">
+            <a:off x="2927758" y="3374952"/>
+            <a:ext cx="4968903" cy="422043"/>
+          </a:xfrm>
+          <a:prstGeom prst="straightConnector1">
+            <a:avLst/>
+          </a:prstGeom>
+          <a:ln w="28575">
+            <a:prstDash val="solid"/>
+            <a:tailEnd type="triangle"/>
+          </a:ln>
+        </p:spPr>
+        <p:style>
+          <a:lnRef idx="1">
+            <a:schemeClr val="accent6"/>
+          </a:lnRef>
+          <a:fillRef idx="0">
+            <a:schemeClr val="accent6"/>
+          </a:fillRef>
+          <a:effectRef idx="0">
+            <a:schemeClr val="accent6"/>
+          </a:effectRef>
+          <a:fontRef idx="minor">
+            <a:schemeClr val="tx1"/>
+          </a:fontRef>
+        </p:style>
+      </p:cxnSp>
+      <p:sp>
+        <p:nvSpPr>
+          <p:cNvPr id="21" name="TextBox 20">
+            <a:extLst>
+              <a:ext uri="{FF2B5EF4-FFF2-40B4-BE49-F238E27FC236}">
+                <a16:creationId xmlns:a16="http://schemas.microsoft.com/office/drawing/2014/main" id="{6DC40EB1-3A62-4A6B-9614-164CC6294110}"/>
+              </a:ext>
+            </a:extLst>
+          </p:cNvPr>
+          <p:cNvSpPr txBox="1"/>
+          <p:nvPr/>
+        </p:nvSpPr>
+        <p:spPr>
+          <a:xfrm>
+            <a:off x="2066971" y="3884863"/>
+            <a:ext cx="626627" cy="369332"/>
+          </a:xfrm>
+          <a:prstGeom prst="rect">
+            <a:avLst/>
+          </a:prstGeom>
+          <a:noFill/>
+        </p:spPr>
+        <p:txBody>
+          <a:bodyPr wrap="square" rtlCol="0">
+            <a:spAutoFit/>
+          </a:bodyPr>
+          <a:lstStyle/>
+          <a:p>
+            <a:r>
+              <a:rPr lang="en-US" dirty="0">
+                <a:solidFill>
+                  <a:schemeClr val="accent6"/>
+                </a:solidFill>
+              </a:rPr>
+              <a:t>???</a:t>
+            </a:r>
+          </a:p>
+        </p:txBody>
+      </p:sp>
+      <p:pic>
+        <p:nvPicPr>
+          <p:cNvPr id="22" name="Picture 21">
+            <a:extLst>
+              <a:ext uri="{FF2B5EF4-FFF2-40B4-BE49-F238E27FC236}">
+                <a16:creationId xmlns:a16="http://schemas.microsoft.com/office/drawing/2014/main" id="{4AF97FD1-E8BE-40DD-9A4C-DD0899B44B78}"/>
+              </a:ext>
+            </a:extLst>
+          </p:cNvPr>
+          <p:cNvPicPr>
+            <a:picLocks noChangeAspect="1"/>
+          </p:cNvPicPr>
+          <p:nvPr/>
+        </p:nvPicPr>
+        <p:blipFill>
+          <a:blip r:embed="rId3"/>
+          <a:stretch>
+            <a:fillRect/>
+          </a:stretch>
+        </p:blipFill>
+        <p:spPr>
+          <a:xfrm>
+            <a:off x="8411011" y="5554233"/>
+            <a:ext cx="1990725" cy="771525"/>
+          </a:xfrm>
+          <a:prstGeom prst="rect">
+            <a:avLst/>
+          </a:prstGeom>
+        </p:spPr>
+      </p:pic>
+      <p:pic>
+        <p:nvPicPr>
+          <p:cNvPr id="23" name="Picture 22">
+            <a:extLst>
+              <a:ext uri="{FF2B5EF4-FFF2-40B4-BE49-F238E27FC236}">
+                <a16:creationId xmlns:a16="http://schemas.microsoft.com/office/drawing/2014/main" id="{B8B9DA28-A347-4780-A7AB-824FA082A679}"/>
+              </a:ext>
+            </a:extLst>
+          </p:cNvPr>
+          <p:cNvPicPr>
+            <a:picLocks noChangeAspect="1"/>
+          </p:cNvPicPr>
+          <p:nvPr/>
+        </p:nvPicPr>
+        <p:blipFill>
+          <a:blip r:embed="rId4"/>
+          <a:stretch>
+            <a:fillRect/>
+          </a:stretch>
+        </p:blipFill>
+        <p:spPr>
+          <a:xfrm>
+            <a:off x="7382311" y="5779811"/>
+            <a:ext cx="1028700" cy="266700"/>
+          </a:xfrm>
+          <a:prstGeom prst="rect">
+            <a:avLst/>
+          </a:prstGeom>
+        </p:spPr>
+      </p:pic>
+      <p:sp>
+        <p:nvSpPr>
+          <p:cNvPr id="25" name="TextBox 24">
+            <a:extLst>
+              <a:ext uri="{FF2B5EF4-FFF2-40B4-BE49-F238E27FC236}">
+                <a16:creationId xmlns:a16="http://schemas.microsoft.com/office/drawing/2014/main" id="{EBAEFE42-5BD3-4315-9935-E1F2563FD36E}"/>
+              </a:ext>
+            </a:extLst>
+          </p:cNvPr>
+          <p:cNvSpPr txBox="1"/>
+          <p:nvPr/>
+        </p:nvSpPr>
+        <p:spPr>
+          <a:xfrm>
+            <a:off x="10401736" y="5755329"/>
+            <a:ext cx="1543334" cy="369332"/>
+          </a:xfrm>
+          <a:prstGeom prst="rect">
+            <a:avLst/>
+          </a:prstGeom>
+          <a:noFill/>
+        </p:spPr>
+        <p:txBody>
+          <a:bodyPr wrap="square" rtlCol="0">
+            <a:spAutoFit/>
+          </a:bodyPr>
+          <a:lstStyle/>
+          <a:p>
+            <a:r>
+              <a:rPr lang="en-US" dirty="0"/>
+              <a:t>~ constant !!!</a:t>
+            </a:r>
+          </a:p>
+        </p:txBody>
+      </p:sp>
+    </p:spTree>
+    <p:extLst>
+      <p:ext uri="{BB962C8B-B14F-4D97-AF65-F5344CB8AC3E}">
+        <p14:creationId xmlns:p14="http://schemas.microsoft.com/office/powerpoint/2010/main" val="1616388319"/>
+      </p:ext>
+    </p:extLst>
+  </p:cSld>
+  <p:clrMapOvr>
+    <a:masterClrMapping/>
+  </p:clrMapOvr>
+</p:sld>
+</file>
+
+<file path=ppt/slides/slide4.xml><?xml version="1.0" encoding="utf-8"?>
 <p:sld xmlns:a="http://schemas.openxmlformats.org/drawingml/2006/main" xmlns:r="http://schemas.openxmlformats.org/officeDocument/2006/relationships" xmlns:p="http://schemas.openxmlformats.org/presentationml/2006/main">
   <p:cSld>
     <p:bg>
@@ -6058,7 +6678,7 @@
 </p:sld>
 </file>
 
-<file path=ppt/slides/slide4.xml><?xml version="1.0" encoding="utf-8"?>
+<file path=ppt/slides/slide5.xml><?xml version="1.0" encoding="utf-8"?>
 <p:sld xmlns:a="http://schemas.openxmlformats.org/drawingml/2006/main" xmlns:r="http://schemas.openxmlformats.org/officeDocument/2006/relationships" xmlns:p="http://schemas.openxmlformats.org/presentationml/2006/main">
   <p:cSld>
     <p:bg>
@@ -6878,86 +7498,6 @@
     <p:extLst>
       <p:ext uri="{BB962C8B-B14F-4D97-AF65-F5344CB8AC3E}">
         <p14:creationId xmlns:p14="http://schemas.microsoft.com/office/powerpoint/2010/main" val="4229897601"/>
-      </p:ext>
-    </p:extLst>
-  </p:cSld>
-  <p:clrMapOvr>
-    <a:masterClrMapping/>
-  </p:clrMapOvr>
-</p:sld>
-</file>
-
-<file path=ppt/slides/slide5.xml><?xml version="1.0" encoding="utf-8"?>
-<p:sld xmlns:a="http://schemas.openxmlformats.org/drawingml/2006/main" xmlns:r="http://schemas.openxmlformats.org/officeDocument/2006/relationships" xmlns:p="http://schemas.openxmlformats.org/presentationml/2006/main">
-  <p:cSld>
-    <p:spTree>
-      <p:nvGrpSpPr>
-        <p:cNvPr id="1" name=""/>
-        <p:cNvGrpSpPr/>
-        <p:nvPr/>
-      </p:nvGrpSpPr>
-      <p:grpSpPr>
-        <a:xfrm>
-          <a:off x="0" y="0"/>
-          <a:ext cx="0" cy="0"/>
-          <a:chOff x="0" y="0"/>
-          <a:chExt cx="0" cy="0"/>
-        </a:xfrm>
-      </p:grpSpPr>
-      <p:sp>
-        <p:nvSpPr>
-          <p:cNvPr id="2" name="Title 1">
-            <a:extLst>
-              <a:ext uri="{FF2B5EF4-FFF2-40B4-BE49-F238E27FC236}">
-                <a16:creationId xmlns:a16="http://schemas.microsoft.com/office/drawing/2014/main" id="{E6C5F508-FACF-4C86-8210-EE230773C9F5}"/>
-              </a:ext>
-            </a:extLst>
-          </p:cNvPr>
-          <p:cNvSpPr>
-            <a:spLocks noGrp="1"/>
-          </p:cNvSpPr>
-          <p:nvPr>
-            <p:ph type="title"/>
-          </p:nvPr>
-        </p:nvSpPr>
-        <p:spPr/>
-        <p:txBody>
-          <a:bodyPr/>
-          <a:lstStyle/>
-          <a:p>
-            <a:endParaRPr lang="en-US"/>
-          </a:p>
-        </p:txBody>
-      </p:sp>
-      <p:sp>
-        <p:nvSpPr>
-          <p:cNvPr id="3" name="Content Placeholder 2">
-            <a:extLst>
-              <a:ext uri="{FF2B5EF4-FFF2-40B4-BE49-F238E27FC236}">
-                <a16:creationId xmlns:a16="http://schemas.microsoft.com/office/drawing/2014/main" id="{575FA824-E24B-4A34-856D-FE6EC0E6AD63}"/>
-              </a:ext>
-            </a:extLst>
-          </p:cNvPr>
-          <p:cNvSpPr>
-            <a:spLocks noGrp="1"/>
-          </p:cNvSpPr>
-          <p:nvPr>
-            <p:ph idx="1"/>
-          </p:nvPr>
-        </p:nvSpPr>
-        <p:spPr/>
-        <p:txBody>
-          <a:bodyPr/>
-          <a:lstStyle/>
-          <a:p>
-            <a:endParaRPr lang="en-US"/>
-          </a:p>
-        </p:txBody>
-      </p:sp>
-    </p:spTree>
-    <p:extLst>
-      <p:ext uri="{BB962C8B-B14F-4D97-AF65-F5344CB8AC3E}">
-        <p14:creationId xmlns:p14="http://schemas.microsoft.com/office/powerpoint/2010/main" val="3924203921"/>
       </p:ext>
     </p:extLst>
   </p:cSld>
